--- a/AIDI1006_Assign4_Semal_Shastri_and_Brian_Ritchie.pptx
+++ b/AIDI1006_Assign4_Semal_Shastri_and_Brian_Ritchie.pptx
@@ -5,7 +5,7 @@
     <p:sldMasterId id="2147483660" r:id="rId4"/>
   </p:sldMasterIdLst>
   <p:notesMasterIdLst>
-    <p:notesMasterId r:id="rId18"/>
+    <p:notesMasterId r:id="rId21"/>
   </p:notesMasterIdLst>
   <p:sldIdLst>
     <p:sldId id="274" r:id="rId5"/>
@@ -18,9 +18,12 @@
     <p:sldId id="312" r:id="rId12"/>
     <p:sldId id="313" r:id="rId13"/>
     <p:sldId id="317" r:id="rId14"/>
-    <p:sldId id="314" r:id="rId15"/>
-    <p:sldId id="315" r:id="rId16"/>
-    <p:sldId id="316" r:id="rId17"/>
+    <p:sldId id="319" r:id="rId15"/>
+    <p:sldId id="314" r:id="rId16"/>
+    <p:sldId id="315" r:id="rId17"/>
+    <p:sldId id="316" r:id="rId18"/>
+    <p:sldId id="320" r:id="rId19"/>
+    <p:sldId id="321" r:id="rId20"/>
   </p:sldIdLst>
   <p:sldSz cx="12192000" cy="6858000"/>
   <p:notesSz cx="6858000" cy="9144000"/>
@@ -127,6 +130,14 @@
 </p:presentation>
 </file>
 
+<file path=ppt/revisionInfo.xml><?xml version="1.0" encoding="utf-8"?>
+<p1510:revInfo xmlns:a="http://schemas.openxmlformats.org/drawingml/2006/main" xmlns:r="http://schemas.openxmlformats.org/officeDocument/2006/relationships" xmlns:p1510="http://schemas.microsoft.com/office/powerpoint/2015/10/main">
+  <p1510:revLst>
+    <p1510:client id="{0D37B718-8BD1-4781-B9EB-694752DCF607}" v="1" dt="2024-04-04T14:31:48.269"/>
+  </p1510:revLst>
+</p1510:revInfo>
+</file>
+
 <file path=ppt/changesInfos/changesInfo1.xml><?xml version="1.0" encoding="utf-8"?>
 <pc:chgInfo xmlns:a="http://schemas.openxmlformats.org/drawingml/2006/main" xmlns:r="http://schemas.openxmlformats.org/officeDocument/2006/relationships" xmlns:ac="http://schemas.microsoft.com/office/drawing/2013/main/command" xmlns:pc="http://schemas.microsoft.com/office/powerpoint/2013/main/command">
   <pc:docChgLst>
@@ -216,6 +227,108 @@
       </pc:sldChg>
     </pc:docChg>
   </pc:docChgLst>
+  <pc:docChgLst>
+    <pc:chgData name="Brian Ritchie" userId="4370981a08ab6117" providerId="LiveId" clId="{0D37B718-8BD1-4781-B9EB-694752DCF607}"/>
+    <pc:docChg chg="custSel addSld modSld">
+      <pc:chgData name="Brian Ritchie" userId="4370981a08ab6117" providerId="LiveId" clId="{0D37B718-8BD1-4781-B9EB-694752DCF607}" dt="2024-04-04T14:42:46.178" v="1638" actId="20577"/>
+      <pc:docMkLst>
+        <pc:docMk/>
+      </pc:docMkLst>
+      <pc:sldChg chg="addSp delSp modSp add mod">
+        <pc:chgData name="Brian Ritchie" userId="4370981a08ab6117" providerId="LiveId" clId="{0D37B718-8BD1-4781-B9EB-694752DCF607}" dt="2024-04-04T14:32:31.153" v="67" actId="1076"/>
+        <pc:sldMkLst>
+          <pc:docMk/>
+          <pc:sldMk cId="1520011186" sldId="319"/>
+        </pc:sldMkLst>
+        <pc:spChg chg="mod">
+          <ac:chgData name="Brian Ritchie" userId="4370981a08ab6117" providerId="LiveId" clId="{0D37B718-8BD1-4781-B9EB-694752DCF607}" dt="2024-04-04T14:31:11.055" v="6" actId="20577"/>
+          <ac:spMkLst>
+            <pc:docMk/>
+            <pc:sldMk cId="1520011186" sldId="319"/>
+            <ac:spMk id="2" creationId="{E52D4D1E-BA60-4A23-8EBC-1159C82F9571}"/>
+          </ac:spMkLst>
+        </pc:spChg>
+        <pc:spChg chg="mod">
+          <ac:chgData name="Brian Ritchie" userId="4370981a08ab6117" providerId="LiveId" clId="{0D37B718-8BD1-4781-B9EB-694752DCF607}" dt="2024-04-04T14:31:33.667" v="64"/>
+          <ac:spMkLst>
+            <pc:docMk/>
+            <pc:sldMk cId="1520011186" sldId="319"/>
+            <ac:spMk id="4" creationId="{D44DCBE5-5697-D00F-625B-5B114619B2BA}"/>
+          </ac:spMkLst>
+        </pc:spChg>
+        <pc:picChg chg="del">
+          <ac:chgData name="Brian Ritchie" userId="4370981a08ab6117" providerId="LiveId" clId="{0D37B718-8BD1-4781-B9EB-694752DCF607}" dt="2024-04-04T14:31:14.136" v="7" actId="478"/>
+          <ac:picMkLst>
+            <pc:docMk/>
+            <pc:sldMk cId="1520011186" sldId="319"/>
+            <ac:picMk id="5" creationId="{465D3611-0814-C79A-90EB-9809C89946EF}"/>
+          </ac:picMkLst>
+        </pc:picChg>
+        <pc:picChg chg="add mod">
+          <ac:chgData name="Brian Ritchie" userId="4370981a08ab6117" providerId="LiveId" clId="{0D37B718-8BD1-4781-B9EB-694752DCF607}" dt="2024-04-04T14:32:31.153" v="67" actId="1076"/>
+          <ac:picMkLst>
+            <pc:docMk/>
+            <pc:sldMk cId="1520011186" sldId="319"/>
+            <ac:picMk id="6" creationId="{2EC37C75-47C2-3F6B-E5D9-5FD3F141B952}"/>
+          </ac:picMkLst>
+        </pc:picChg>
+      </pc:sldChg>
+      <pc:sldChg chg="delSp modSp add mod">
+        <pc:chgData name="Brian Ritchie" userId="4370981a08ab6117" providerId="LiveId" clId="{0D37B718-8BD1-4781-B9EB-694752DCF607}" dt="2024-04-04T14:39:06.149" v="968" actId="20577"/>
+        <pc:sldMkLst>
+          <pc:docMk/>
+          <pc:sldMk cId="1987811840" sldId="320"/>
+        </pc:sldMkLst>
+        <pc:spChg chg="mod">
+          <ac:chgData name="Brian Ritchie" userId="4370981a08ab6117" providerId="LiveId" clId="{0D37B718-8BD1-4781-B9EB-694752DCF607}" dt="2024-04-04T14:33:27.441" v="79" actId="20577"/>
+          <ac:spMkLst>
+            <pc:docMk/>
+            <pc:sldMk cId="1987811840" sldId="320"/>
+            <ac:spMk id="2" creationId="{E52D4D1E-BA60-4A23-8EBC-1159C82F9571}"/>
+          </ac:spMkLst>
+        </pc:spChg>
+        <pc:spChg chg="mod">
+          <ac:chgData name="Brian Ritchie" userId="4370981a08ab6117" providerId="LiveId" clId="{0D37B718-8BD1-4781-B9EB-694752DCF607}" dt="2024-04-04T14:39:06.149" v="968" actId="20577"/>
+          <ac:spMkLst>
+            <pc:docMk/>
+            <pc:sldMk cId="1987811840" sldId="320"/>
+            <ac:spMk id="4" creationId="{D44DCBE5-5697-D00F-625B-5B114619B2BA}"/>
+          </ac:spMkLst>
+        </pc:spChg>
+        <pc:picChg chg="del">
+          <ac:chgData name="Brian Ritchie" userId="4370981a08ab6117" providerId="LiveId" clId="{0D37B718-8BD1-4781-B9EB-694752DCF607}" dt="2024-04-04T14:33:29.448" v="80" actId="478"/>
+          <ac:picMkLst>
+            <pc:docMk/>
+            <pc:sldMk cId="1987811840" sldId="320"/>
+            <ac:picMk id="5" creationId="{DECEC71B-B640-71A5-C709-3300B08EC022}"/>
+          </ac:picMkLst>
+        </pc:picChg>
+      </pc:sldChg>
+      <pc:sldChg chg="modSp add mod">
+        <pc:chgData name="Brian Ritchie" userId="4370981a08ab6117" providerId="LiveId" clId="{0D37B718-8BD1-4781-B9EB-694752DCF607}" dt="2024-04-04T14:42:46.178" v="1638" actId="20577"/>
+        <pc:sldMkLst>
+          <pc:docMk/>
+          <pc:sldMk cId="2913359919" sldId="321"/>
+        </pc:sldMkLst>
+        <pc:spChg chg="mod">
+          <ac:chgData name="Brian Ritchie" userId="4370981a08ab6117" providerId="LiveId" clId="{0D37B718-8BD1-4781-B9EB-694752DCF607}" dt="2024-04-04T14:39:22.824" v="980" actId="20577"/>
+          <ac:spMkLst>
+            <pc:docMk/>
+            <pc:sldMk cId="2913359919" sldId="321"/>
+            <ac:spMk id="2" creationId="{E52D4D1E-BA60-4A23-8EBC-1159C82F9571}"/>
+          </ac:spMkLst>
+        </pc:spChg>
+        <pc:spChg chg="mod">
+          <ac:chgData name="Brian Ritchie" userId="4370981a08ab6117" providerId="LiveId" clId="{0D37B718-8BD1-4781-B9EB-694752DCF607}" dt="2024-04-04T14:42:46.178" v="1638" actId="20577"/>
+          <ac:spMkLst>
+            <pc:docMk/>
+            <pc:sldMk cId="2913359919" sldId="321"/>
+            <ac:spMk id="4" creationId="{D44DCBE5-5697-D00F-625B-5B114619B2BA}"/>
+          </ac:spMkLst>
+        </pc:spChg>
+      </pc:sldChg>
+    </pc:docChg>
+  </pc:docChgLst>
 </pc:chgInfo>
 </file>
 
@@ -301,7 +414,7 @@
           <a:p>
             <a:fld id="{078DDDEA-63BC-40A0-8BC0-D6413F38691F}" type="datetimeFigureOut">
               <a:rPr lang="en-US" smtClean="0"/>
-              <a:t>4/3/2024</a:t>
+              <a:t>4/4/2024</a:t>
             </a:fld>
             <a:endParaRPr lang="en-US" dirty="0"/>
           </a:p>
@@ -846,7 +959,7 @@
     </p:spTree>
     <p:extLst>
       <p:ext uri="{BB962C8B-B14F-4D97-AF65-F5344CB8AC3E}">
-        <p14:creationId xmlns:p14="http://schemas.microsoft.com/office/powerpoint/2010/main" val="3812081155"/>
+        <p14:creationId xmlns:p14="http://schemas.microsoft.com/office/powerpoint/2010/main" val="4137865265"/>
       </p:ext>
     </p:extLst>
   </p:cSld>
@@ -990,7 +1103,7 @@
     </p:spTree>
     <p:extLst>
       <p:ext uri="{BB962C8B-B14F-4D97-AF65-F5344CB8AC3E}">
-        <p14:creationId xmlns:p14="http://schemas.microsoft.com/office/powerpoint/2010/main" val="122612128"/>
+        <p14:creationId xmlns:p14="http://schemas.microsoft.com/office/powerpoint/2010/main" val="3812081155"/>
       </p:ext>
     </p:extLst>
   </p:cSld>
@@ -1134,7 +1247,439 @@
     </p:spTree>
     <p:extLst>
       <p:ext uri="{BB962C8B-B14F-4D97-AF65-F5344CB8AC3E}">
+        <p14:creationId xmlns:p14="http://schemas.microsoft.com/office/powerpoint/2010/main" val="122612128"/>
+      </p:ext>
+    </p:extLst>
+  </p:cSld>
+  <p:clrMapOvr>
+    <a:masterClrMapping/>
+  </p:clrMapOvr>
+</p:notes>
+</file>
+
+<file path=ppt/notesSlides/notesSlide13.xml><?xml version="1.0" encoding="utf-8"?>
+<p:notes xmlns:a="http://schemas.openxmlformats.org/drawingml/2006/main" xmlns:r="http://schemas.openxmlformats.org/officeDocument/2006/relationships" xmlns:p="http://schemas.openxmlformats.org/presentationml/2006/main">
+  <p:cSld>
+    <p:spTree>
+      <p:nvGrpSpPr>
+        <p:cNvPr id="1" name=""/>
+        <p:cNvGrpSpPr/>
+        <p:nvPr/>
+      </p:nvGrpSpPr>
+      <p:grpSpPr>
+        <a:xfrm>
+          <a:off x="0" y="0"/>
+          <a:ext cx="0" cy="0"/>
+          <a:chOff x="0" y="0"/>
+          <a:chExt cx="0" cy="0"/>
+        </a:xfrm>
+      </p:grpSpPr>
+      <p:sp>
+        <p:nvSpPr>
+          <p:cNvPr id="2" name="Slide Image Placeholder 1"/>
+          <p:cNvSpPr>
+            <a:spLocks noGrp="1" noRot="1" noChangeAspect="1"/>
+          </p:cNvSpPr>
+          <p:nvPr>
+            <p:ph type="sldImg"/>
+          </p:nvPr>
+        </p:nvSpPr>
+        <p:spPr/>
+      </p:sp>
+      <p:sp>
+        <p:nvSpPr>
+          <p:cNvPr id="3" name="Notes Placeholder 2"/>
+          <p:cNvSpPr>
+            <a:spLocks noGrp="1"/>
+          </p:cNvSpPr>
+          <p:nvPr>
+            <p:ph type="body" idx="1"/>
+          </p:nvPr>
+        </p:nvSpPr>
+        <p:spPr/>
+        <p:txBody>
+          <a:bodyPr/>
+          <a:lstStyle/>
+          <a:p>
+            <a:endParaRPr lang="en-US" dirty="0"/>
+          </a:p>
+        </p:txBody>
+      </p:sp>
+      <p:sp>
+        <p:nvSpPr>
+          <p:cNvPr id="4" name="Slide Number Placeholder 3"/>
+          <p:cNvSpPr>
+            <a:spLocks noGrp="1"/>
+          </p:cNvSpPr>
+          <p:nvPr>
+            <p:ph type="sldNum" sz="quarter" idx="5"/>
+          </p:nvPr>
+        </p:nvSpPr>
+        <p:spPr/>
+        <p:txBody>
+          <a:bodyPr/>
+          <a:lstStyle/>
+          <a:p>
+            <a:pPr marL="0" marR="0" lvl="0" indent="0" algn="r" defTabSz="914400" rtl="0" eaLnBrk="1" fontAlgn="auto" latinLnBrk="0" hangingPunct="1">
+              <a:lnSpc>
+                <a:spcPct val="100000"/>
+              </a:lnSpc>
+              <a:spcBef>
+                <a:spcPts val="0"/>
+              </a:spcBef>
+              <a:spcAft>
+                <a:spcPts val="0"/>
+              </a:spcAft>
+              <a:buClrTx/>
+              <a:buSzTx/>
+              <a:buFontTx/>
+              <a:buNone/>
+              <a:tabLst/>
+              <a:defRPr/>
+            </a:pPr>
+            <a:fld id="{33AEA074-24A7-4657-AE02-A51F68EA6AA2}" type="slidenum">
+              <a:rPr kumimoji="0" lang="en-US" sz="1200" b="0" i="0" u="none" strike="noStrike" kern="1200" cap="none" spc="0" normalizeH="0" baseline="0" noProof="0" smtClean="0">
+                <a:ln>
+                  <a:noFill/>
+                </a:ln>
+                <a:solidFill>
+                  <a:prstClr val="black"/>
+                </a:solidFill>
+                <a:effectLst/>
+                <a:uLnTx/>
+                <a:uFillTx/>
+                <a:latin typeface="Calibri" panose="020F0502020204030204"/>
+                <a:ea typeface="+mn-ea"/>
+                <a:cs typeface="+mn-cs"/>
+              </a:rPr>
+              <a:pPr marL="0" marR="0" lvl="0" indent="0" algn="r" defTabSz="914400" rtl="0" eaLnBrk="1" fontAlgn="auto" latinLnBrk="0" hangingPunct="1">
+                <a:lnSpc>
+                  <a:spcPct val="100000"/>
+                </a:lnSpc>
+                <a:spcBef>
+                  <a:spcPts val="0"/>
+                </a:spcBef>
+                <a:spcAft>
+                  <a:spcPts val="0"/>
+                </a:spcAft>
+                <a:buClrTx/>
+                <a:buSzTx/>
+                <a:buFontTx/>
+                <a:buNone/>
+                <a:tabLst/>
+                <a:defRPr/>
+              </a:pPr>
+              <a:t>14</a:t>
+            </a:fld>
+            <a:endParaRPr kumimoji="0" lang="en-US" sz="1200" b="0" i="0" u="none" strike="noStrike" kern="1200" cap="none" spc="0" normalizeH="0" baseline="0" noProof="0" dirty="0">
+              <a:ln>
+                <a:noFill/>
+              </a:ln>
+              <a:solidFill>
+                <a:prstClr val="black"/>
+              </a:solidFill>
+              <a:effectLst/>
+              <a:uLnTx/>
+              <a:uFillTx/>
+              <a:latin typeface="Calibri" panose="020F0502020204030204"/>
+              <a:ea typeface="+mn-ea"/>
+              <a:cs typeface="+mn-cs"/>
+            </a:endParaRPr>
+          </a:p>
+        </p:txBody>
+      </p:sp>
+    </p:spTree>
+    <p:extLst>
+      <p:ext uri="{BB962C8B-B14F-4D97-AF65-F5344CB8AC3E}">
         <p14:creationId xmlns:p14="http://schemas.microsoft.com/office/powerpoint/2010/main" val="4009141141"/>
+      </p:ext>
+    </p:extLst>
+  </p:cSld>
+  <p:clrMapOvr>
+    <a:masterClrMapping/>
+  </p:clrMapOvr>
+</p:notes>
+</file>
+
+<file path=ppt/notesSlides/notesSlide14.xml><?xml version="1.0" encoding="utf-8"?>
+<p:notes xmlns:a="http://schemas.openxmlformats.org/drawingml/2006/main" xmlns:r="http://schemas.openxmlformats.org/officeDocument/2006/relationships" xmlns:p="http://schemas.openxmlformats.org/presentationml/2006/main">
+  <p:cSld>
+    <p:spTree>
+      <p:nvGrpSpPr>
+        <p:cNvPr id="1" name=""/>
+        <p:cNvGrpSpPr/>
+        <p:nvPr/>
+      </p:nvGrpSpPr>
+      <p:grpSpPr>
+        <a:xfrm>
+          <a:off x="0" y="0"/>
+          <a:ext cx="0" cy="0"/>
+          <a:chOff x="0" y="0"/>
+          <a:chExt cx="0" cy="0"/>
+        </a:xfrm>
+      </p:grpSpPr>
+      <p:sp>
+        <p:nvSpPr>
+          <p:cNvPr id="2" name="Slide Image Placeholder 1"/>
+          <p:cNvSpPr>
+            <a:spLocks noGrp="1" noRot="1" noChangeAspect="1"/>
+          </p:cNvSpPr>
+          <p:nvPr>
+            <p:ph type="sldImg"/>
+          </p:nvPr>
+        </p:nvSpPr>
+        <p:spPr/>
+      </p:sp>
+      <p:sp>
+        <p:nvSpPr>
+          <p:cNvPr id="3" name="Notes Placeholder 2"/>
+          <p:cNvSpPr>
+            <a:spLocks noGrp="1"/>
+          </p:cNvSpPr>
+          <p:nvPr>
+            <p:ph type="body" idx="1"/>
+          </p:nvPr>
+        </p:nvSpPr>
+        <p:spPr/>
+        <p:txBody>
+          <a:bodyPr/>
+          <a:lstStyle/>
+          <a:p>
+            <a:endParaRPr lang="en-US" dirty="0"/>
+          </a:p>
+        </p:txBody>
+      </p:sp>
+      <p:sp>
+        <p:nvSpPr>
+          <p:cNvPr id="4" name="Slide Number Placeholder 3"/>
+          <p:cNvSpPr>
+            <a:spLocks noGrp="1"/>
+          </p:cNvSpPr>
+          <p:nvPr>
+            <p:ph type="sldNum" sz="quarter" idx="5"/>
+          </p:nvPr>
+        </p:nvSpPr>
+        <p:spPr/>
+        <p:txBody>
+          <a:bodyPr/>
+          <a:lstStyle/>
+          <a:p>
+            <a:pPr marL="0" marR="0" lvl="0" indent="0" algn="r" defTabSz="914400" rtl="0" eaLnBrk="1" fontAlgn="auto" latinLnBrk="0" hangingPunct="1">
+              <a:lnSpc>
+                <a:spcPct val="100000"/>
+              </a:lnSpc>
+              <a:spcBef>
+                <a:spcPts val="0"/>
+              </a:spcBef>
+              <a:spcAft>
+                <a:spcPts val="0"/>
+              </a:spcAft>
+              <a:buClrTx/>
+              <a:buSzTx/>
+              <a:buFontTx/>
+              <a:buNone/>
+              <a:tabLst/>
+              <a:defRPr/>
+            </a:pPr>
+            <a:fld id="{33AEA074-24A7-4657-AE02-A51F68EA6AA2}" type="slidenum">
+              <a:rPr kumimoji="0" lang="en-US" sz="1200" b="0" i="0" u="none" strike="noStrike" kern="1200" cap="none" spc="0" normalizeH="0" baseline="0" noProof="0" smtClean="0">
+                <a:ln>
+                  <a:noFill/>
+                </a:ln>
+                <a:solidFill>
+                  <a:prstClr val="black"/>
+                </a:solidFill>
+                <a:effectLst/>
+                <a:uLnTx/>
+                <a:uFillTx/>
+                <a:latin typeface="Calibri" panose="020F0502020204030204"/>
+                <a:ea typeface="+mn-ea"/>
+                <a:cs typeface="+mn-cs"/>
+              </a:rPr>
+              <a:pPr marL="0" marR="0" lvl="0" indent="0" algn="r" defTabSz="914400" rtl="0" eaLnBrk="1" fontAlgn="auto" latinLnBrk="0" hangingPunct="1">
+                <a:lnSpc>
+                  <a:spcPct val="100000"/>
+                </a:lnSpc>
+                <a:spcBef>
+                  <a:spcPts val="0"/>
+                </a:spcBef>
+                <a:spcAft>
+                  <a:spcPts val="0"/>
+                </a:spcAft>
+                <a:buClrTx/>
+                <a:buSzTx/>
+                <a:buFontTx/>
+                <a:buNone/>
+                <a:tabLst/>
+                <a:defRPr/>
+              </a:pPr>
+              <a:t>15</a:t>
+            </a:fld>
+            <a:endParaRPr kumimoji="0" lang="en-US" sz="1200" b="0" i="0" u="none" strike="noStrike" kern="1200" cap="none" spc="0" normalizeH="0" baseline="0" noProof="0" dirty="0">
+              <a:ln>
+                <a:noFill/>
+              </a:ln>
+              <a:solidFill>
+                <a:prstClr val="black"/>
+              </a:solidFill>
+              <a:effectLst/>
+              <a:uLnTx/>
+              <a:uFillTx/>
+              <a:latin typeface="Calibri" panose="020F0502020204030204"/>
+              <a:ea typeface="+mn-ea"/>
+              <a:cs typeface="+mn-cs"/>
+            </a:endParaRPr>
+          </a:p>
+        </p:txBody>
+      </p:sp>
+    </p:spTree>
+    <p:extLst>
+      <p:ext uri="{BB962C8B-B14F-4D97-AF65-F5344CB8AC3E}">
+        <p14:creationId xmlns:p14="http://schemas.microsoft.com/office/powerpoint/2010/main" val="2659129572"/>
+      </p:ext>
+    </p:extLst>
+  </p:cSld>
+  <p:clrMapOvr>
+    <a:masterClrMapping/>
+  </p:clrMapOvr>
+</p:notes>
+</file>
+
+<file path=ppt/notesSlides/notesSlide15.xml><?xml version="1.0" encoding="utf-8"?>
+<p:notes xmlns:a="http://schemas.openxmlformats.org/drawingml/2006/main" xmlns:r="http://schemas.openxmlformats.org/officeDocument/2006/relationships" xmlns:p="http://schemas.openxmlformats.org/presentationml/2006/main">
+  <p:cSld>
+    <p:spTree>
+      <p:nvGrpSpPr>
+        <p:cNvPr id="1" name=""/>
+        <p:cNvGrpSpPr/>
+        <p:nvPr/>
+      </p:nvGrpSpPr>
+      <p:grpSpPr>
+        <a:xfrm>
+          <a:off x="0" y="0"/>
+          <a:ext cx="0" cy="0"/>
+          <a:chOff x="0" y="0"/>
+          <a:chExt cx="0" cy="0"/>
+        </a:xfrm>
+      </p:grpSpPr>
+      <p:sp>
+        <p:nvSpPr>
+          <p:cNvPr id="2" name="Slide Image Placeholder 1"/>
+          <p:cNvSpPr>
+            <a:spLocks noGrp="1" noRot="1" noChangeAspect="1"/>
+          </p:cNvSpPr>
+          <p:nvPr>
+            <p:ph type="sldImg"/>
+          </p:nvPr>
+        </p:nvSpPr>
+        <p:spPr/>
+      </p:sp>
+      <p:sp>
+        <p:nvSpPr>
+          <p:cNvPr id="3" name="Notes Placeholder 2"/>
+          <p:cNvSpPr>
+            <a:spLocks noGrp="1"/>
+          </p:cNvSpPr>
+          <p:nvPr>
+            <p:ph type="body" idx="1"/>
+          </p:nvPr>
+        </p:nvSpPr>
+        <p:spPr/>
+        <p:txBody>
+          <a:bodyPr/>
+          <a:lstStyle/>
+          <a:p>
+            <a:endParaRPr lang="en-US" dirty="0"/>
+          </a:p>
+        </p:txBody>
+      </p:sp>
+      <p:sp>
+        <p:nvSpPr>
+          <p:cNvPr id="4" name="Slide Number Placeholder 3"/>
+          <p:cNvSpPr>
+            <a:spLocks noGrp="1"/>
+          </p:cNvSpPr>
+          <p:nvPr>
+            <p:ph type="sldNum" sz="quarter" idx="5"/>
+          </p:nvPr>
+        </p:nvSpPr>
+        <p:spPr/>
+        <p:txBody>
+          <a:bodyPr/>
+          <a:lstStyle/>
+          <a:p>
+            <a:pPr marL="0" marR="0" lvl="0" indent="0" algn="r" defTabSz="914400" rtl="0" eaLnBrk="1" fontAlgn="auto" latinLnBrk="0" hangingPunct="1">
+              <a:lnSpc>
+                <a:spcPct val="100000"/>
+              </a:lnSpc>
+              <a:spcBef>
+                <a:spcPts val="0"/>
+              </a:spcBef>
+              <a:spcAft>
+                <a:spcPts val="0"/>
+              </a:spcAft>
+              <a:buClrTx/>
+              <a:buSzTx/>
+              <a:buFontTx/>
+              <a:buNone/>
+              <a:tabLst/>
+              <a:defRPr/>
+            </a:pPr>
+            <a:fld id="{33AEA074-24A7-4657-AE02-A51F68EA6AA2}" type="slidenum">
+              <a:rPr kumimoji="0" lang="en-US" sz="1200" b="0" i="0" u="none" strike="noStrike" kern="1200" cap="none" spc="0" normalizeH="0" baseline="0" noProof="0" smtClean="0">
+                <a:ln>
+                  <a:noFill/>
+                </a:ln>
+                <a:solidFill>
+                  <a:prstClr val="black"/>
+                </a:solidFill>
+                <a:effectLst/>
+                <a:uLnTx/>
+                <a:uFillTx/>
+                <a:latin typeface="Calibri" panose="020F0502020204030204"/>
+                <a:ea typeface="+mn-ea"/>
+                <a:cs typeface="+mn-cs"/>
+              </a:rPr>
+              <a:pPr marL="0" marR="0" lvl="0" indent="0" algn="r" defTabSz="914400" rtl="0" eaLnBrk="1" fontAlgn="auto" latinLnBrk="0" hangingPunct="1">
+                <a:lnSpc>
+                  <a:spcPct val="100000"/>
+                </a:lnSpc>
+                <a:spcBef>
+                  <a:spcPts val="0"/>
+                </a:spcBef>
+                <a:spcAft>
+                  <a:spcPts val="0"/>
+                </a:spcAft>
+                <a:buClrTx/>
+                <a:buSzTx/>
+                <a:buFontTx/>
+                <a:buNone/>
+                <a:tabLst/>
+                <a:defRPr/>
+              </a:pPr>
+              <a:t>16</a:t>
+            </a:fld>
+            <a:endParaRPr kumimoji="0" lang="en-US" sz="1200" b="0" i="0" u="none" strike="noStrike" kern="1200" cap="none" spc="0" normalizeH="0" baseline="0" noProof="0" dirty="0">
+              <a:ln>
+                <a:noFill/>
+              </a:ln>
+              <a:solidFill>
+                <a:prstClr val="black"/>
+              </a:solidFill>
+              <a:effectLst/>
+              <a:uLnTx/>
+              <a:uFillTx/>
+              <a:latin typeface="Calibri" panose="020F0502020204030204"/>
+              <a:ea typeface="+mn-ea"/>
+              <a:cs typeface="+mn-cs"/>
+            </a:endParaRPr>
+          </a:p>
+        </p:txBody>
+      </p:sp>
+    </p:spTree>
+    <p:extLst>
+      <p:ext uri="{BB962C8B-B14F-4D97-AF65-F5344CB8AC3E}">
+        <p14:creationId xmlns:p14="http://schemas.microsoft.com/office/powerpoint/2010/main" val="963433624"/>
       </p:ext>
     </p:extLst>
   </p:cSld>
@@ -2534,7 +3079,7 @@
           <a:p>
             <a:fld id="{ED291B17-9318-49DB-B28B-6E5994AE9581}" type="datetime1">
               <a:rPr lang="en-US" smtClean="0"/>
-              <a:t>4/3/2024</a:t>
+              <a:t>4/4/2024</a:t>
             </a:fld>
             <a:endParaRPr lang="en-US" dirty="0"/>
           </a:p>
@@ -2732,7 +3277,7 @@
           <a:p>
             <a:fld id="{78DD82B9-B8EE-4375-B6FF-88FA6ABB15D9}" type="datetime1">
               <a:rPr lang="en-US" smtClean="0"/>
-              <a:t>4/3/2024</a:t>
+              <a:t>4/4/2024</a:t>
             </a:fld>
             <a:endParaRPr lang="en-US" dirty="0"/>
           </a:p>
@@ -3044,7 +3589,7 @@
           <a:p>
             <a:fld id="{B2497495-0637-405E-AE64-5CC7506D51F5}" type="datetime1">
               <a:rPr lang="en-US" smtClean="0"/>
-              <a:t>4/3/2024</a:t>
+              <a:t>4/4/2024</a:t>
             </a:fld>
             <a:endParaRPr lang="en-US" dirty="0"/>
           </a:p>
@@ -3297,7 +3842,7 @@
           <a:p>
             <a:fld id="{7BFFD690-9426-415D-8B65-26881E07B2D4}" type="datetime1">
               <a:rPr lang="en-US" smtClean="0"/>
-              <a:t>4/3/2024</a:t>
+              <a:t>4/4/2024</a:t>
             </a:fld>
             <a:endParaRPr lang="en-US" dirty="0"/>
           </a:p>
@@ -3719,7 +4264,7 @@
           <a:p>
             <a:fld id="{04C4989A-474C-40DE-95B9-011C28B71673}" type="datetime1">
               <a:rPr lang="en-US" smtClean="0"/>
-              <a:t>4/3/2024</a:t>
+              <a:t>4/4/2024</a:t>
             </a:fld>
             <a:endParaRPr lang="en-US" dirty="0"/>
           </a:p>
@@ -3842,7 +4387,7 @@
           <a:p>
             <a:fld id="{5DB4ED54-5B5E-4A04-93D3-5772E3CE3818}" type="datetime1">
               <a:rPr lang="en-US" smtClean="0"/>
-              <a:t>4/3/2024</a:t>
+              <a:t>4/4/2024</a:t>
             </a:fld>
             <a:endParaRPr lang="en-US" dirty="0"/>
           </a:p>
@@ -3937,7 +4482,7 @@
           <a:p>
             <a:fld id="{4EDE50D6-574B-40AF-946F-D52A04ADE379}" type="datetime1">
               <a:rPr lang="en-US" smtClean="0"/>
-              <a:t>4/3/2024</a:t>
+              <a:t>4/4/2024</a:t>
             </a:fld>
             <a:endParaRPr lang="en-US" dirty="0"/>
           </a:p>
@@ -4314,7 +4859,7 @@
           <a:p>
             <a:fld id="{D82884F1-FFEA-405F-9602-3DCA865EDA4E}" type="datetime1">
               <a:rPr lang="en-US" smtClean="0"/>
-              <a:t>4/3/2024</a:t>
+              <a:t>4/4/2024</a:t>
             </a:fld>
             <a:endParaRPr lang="en-US" dirty="0"/>
           </a:p>
@@ -4607,7 +5152,7 @@
           <a:p>
             <a:fld id="{7E18DB4A-8810-4A10-AD5C-D5E2C667F5B3}" type="datetime1">
               <a:rPr lang="en-US" smtClean="0"/>
-              <a:t>4/3/2024</a:t>
+              <a:t>4/4/2024</a:t>
             </a:fld>
             <a:endParaRPr lang="en-US" dirty="0"/>
           </a:p>
@@ -4822,7 +5367,7 @@
           <a:p>
             <a:fld id="{ED291B17-9318-49DB-B28B-6E5994AE9581}" type="datetime1">
               <a:rPr lang="en-US" smtClean="0"/>
-              <a:t>4/3/2024</a:t>
+              <a:t>4/4/2024</a:t>
             </a:fld>
             <a:endParaRPr lang="en-US" dirty="0"/>
           </a:p>
@@ -5854,6 +6399,141 @@
           <a:p>
             <a:r>
               <a:rPr lang="en-US" dirty="0"/>
+              <a:t>Fake news detection – </a:t>
+            </a:r>
+            <a:r>
+              <a:rPr lang="en-US" dirty="0" err="1"/>
+              <a:t>Github</a:t>
+            </a:r>
+            <a:endParaRPr lang="en-US" dirty="0"/>
+          </a:p>
+        </p:txBody>
+      </p:sp>
+      <p:sp>
+        <p:nvSpPr>
+          <p:cNvPr id="4" name="Content Placeholder 3">
+            <a:extLst>
+              <a:ext uri="{FF2B5EF4-FFF2-40B4-BE49-F238E27FC236}">
+                <a16:creationId xmlns:a16="http://schemas.microsoft.com/office/drawing/2014/main" id="{D44DCBE5-5697-D00F-625B-5B114619B2BA}"/>
+              </a:ext>
+            </a:extLst>
+          </p:cNvPr>
+          <p:cNvSpPr>
+            <a:spLocks noGrp="1"/>
+          </p:cNvSpPr>
+          <p:nvPr>
+            <p:ph idx="1"/>
+          </p:nvPr>
+        </p:nvSpPr>
+        <p:spPr>
+          <a:xfrm>
+            <a:off x="581193" y="2340864"/>
+            <a:ext cx="3419307" cy="3634486"/>
+          </a:xfrm>
+        </p:spPr>
+        <p:txBody>
+          <a:bodyPr>
+            <a:normAutofit/>
+          </a:bodyPr>
+          <a:lstStyle/>
+          <a:p>
+            <a:r>
+              <a:rPr lang="en-CA" dirty="0"/>
+              <a:t>The code was pushed to the following repository:  </a:t>
+            </a:r>
+            <a:r>
+              <a:rPr lang="en-CA" dirty="0">
+                <a:hlinkClick r:id="rId4"/>
+              </a:rPr>
+              <a:t>https://github.com/BrianJRitchie/Fake-News-Azure.git</a:t>
+            </a:r>
+            <a:endParaRPr lang="en-CA" dirty="0"/>
+          </a:p>
+        </p:txBody>
+      </p:sp>
+      <p:pic>
+        <p:nvPicPr>
+          <p:cNvPr id="6" name="Picture 5">
+            <a:extLst>
+              <a:ext uri="{FF2B5EF4-FFF2-40B4-BE49-F238E27FC236}">
+                <a16:creationId xmlns:a16="http://schemas.microsoft.com/office/drawing/2014/main" id="{2EC37C75-47C2-3F6B-E5D9-5FD3F141B952}"/>
+              </a:ext>
+            </a:extLst>
+          </p:cNvPr>
+          <p:cNvPicPr>
+            <a:picLocks noChangeAspect="1"/>
+          </p:cNvPicPr>
+          <p:nvPr/>
+        </p:nvPicPr>
+        <p:blipFill>
+          <a:blip r:embed="rId5"/>
+          <a:stretch>
+            <a:fillRect/>
+          </a:stretch>
+        </p:blipFill>
+        <p:spPr>
+          <a:xfrm>
+            <a:off x="4133850" y="1963441"/>
+            <a:ext cx="7897070" cy="4389331"/>
+          </a:xfrm>
+          <a:prstGeom prst="rect">
+            <a:avLst/>
+          </a:prstGeom>
+        </p:spPr>
+      </p:pic>
+    </p:spTree>
+    <p:extLst>
+      <p:ext uri="{BB962C8B-B14F-4D97-AF65-F5344CB8AC3E}">
+        <p14:creationId xmlns:p14="http://schemas.microsoft.com/office/powerpoint/2010/main" val="1520011186"/>
+      </p:ext>
+    </p:extLst>
+  </p:cSld>
+  <p:clrMapOvr>
+    <a:masterClrMapping/>
+  </p:clrMapOvr>
+</p:sld>
+</file>
+
+<file path=ppt/slides/slide12.xml><?xml version="1.0" encoding="utf-8"?>
+<p:sld xmlns:a="http://schemas.openxmlformats.org/drawingml/2006/main" xmlns:r="http://schemas.openxmlformats.org/officeDocument/2006/relationships" xmlns:p="http://schemas.openxmlformats.org/presentationml/2006/main">
+  <p:cSld>
+    <p:spTree>
+      <p:nvGrpSpPr>
+        <p:cNvPr id="1" name=""/>
+        <p:cNvGrpSpPr/>
+        <p:nvPr/>
+      </p:nvGrpSpPr>
+      <p:grpSpPr>
+        <a:xfrm>
+          <a:off x="0" y="0"/>
+          <a:ext cx="0" cy="0"/>
+          <a:chOff x="0" y="0"/>
+          <a:chExt cx="0" cy="0"/>
+        </a:xfrm>
+      </p:grpSpPr>
+      <p:sp>
+        <p:nvSpPr>
+          <p:cNvPr id="2" name="Title 1">
+            <a:extLst>
+              <a:ext uri="{FF2B5EF4-FFF2-40B4-BE49-F238E27FC236}">
+                <a16:creationId xmlns:a16="http://schemas.microsoft.com/office/drawing/2014/main" id="{E52D4D1E-BA60-4A23-8EBC-1159C82F9571}"/>
+              </a:ext>
+            </a:extLst>
+          </p:cNvPr>
+          <p:cNvSpPr>
+            <a:spLocks noGrp="1"/>
+          </p:cNvSpPr>
+          <p:nvPr>
+            <p:ph type="title"/>
+          </p:nvPr>
+        </p:nvSpPr>
+        <p:spPr/>
+        <p:txBody>
+          <a:bodyPr/>
+          <a:lstStyle/>
+          <a:p>
+            <a:r>
+              <a:rPr lang="en-US" dirty="0"/>
               <a:t>Fake news detection – VS CODE - 1</a:t>
             </a:r>
           </a:p>
@@ -5937,7 +6617,7 @@
 </p:sld>
 </file>
 
-<file path=ppt/slides/slide12.xml><?xml version="1.0" encoding="utf-8"?>
+<file path=ppt/slides/slide13.xml><?xml version="1.0" encoding="utf-8"?>
 <p:sld xmlns:a="http://schemas.openxmlformats.org/drawingml/2006/main" xmlns:r="http://schemas.openxmlformats.org/officeDocument/2006/relationships" xmlns:p="http://schemas.openxmlformats.org/presentationml/2006/main">
   <p:cSld>
     <p:spTree>
@@ -6097,7 +6777,7 @@
 </p:sld>
 </file>
 
-<file path=ppt/slides/slide13.xml><?xml version="1.0" encoding="utf-8"?>
+<file path=ppt/slides/slide14.xml><?xml version="1.0" encoding="utf-8"?>
 <p:sld xmlns:a="http://schemas.openxmlformats.org/drawingml/2006/main" xmlns:r="http://schemas.openxmlformats.org/officeDocument/2006/relationships" xmlns:p="http://schemas.openxmlformats.org/presentationml/2006/main">
   <p:cSld>
     <p:spTree>
@@ -6231,6 +6911,245 @@
     <p:extLst>
       <p:ext uri="{BB962C8B-B14F-4D97-AF65-F5344CB8AC3E}">
         <p14:creationId xmlns:p14="http://schemas.microsoft.com/office/powerpoint/2010/main" val="708520088"/>
+      </p:ext>
+    </p:extLst>
+  </p:cSld>
+  <p:clrMapOvr>
+    <a:masterClrMapping/>
+  </p:clrMapOvr>
+</p:sld>
+</file>
+
+<file path=ppt/slides/slide15.xml><?xml version="1.0" encoding="utf-8"?>
+<p:sld xmlns:a="http://schemas.openxmlformats.org/drawingml/2006/main" xmlns:r="http://schemas.openxmlformats.org/officeDocument/2006/relationships" xmlns:p="http://schemas.openxmlformats.org/presentationml/2006/main">
+  <p:cSld>
+    <p:spTree>
+      <p:nvGrpSpPr>
+        <p:cNvPr id="1" name=""/>
+        <p:cNvGrpSpPr/>
+        <p:nvPr/>
+      </p:nvGrpSpPr>
+      <p:grpSpPr>
+        <a:xfrm>
+          <a:off x="0" y="0"/>
+          <a:ext cx="0" cy="0"/>
+          <a:chOff x="0" y="0"/>
+          <a:chExt cx="0" cy="0"/>
+        </a:xfrm>
+      </p:grpSpPr>
+      <p:sp>
+        <p:nvSpPr>
+          <p:cNvPr id="2" name="Title 1">
+            <a:extLst>
+              <a:ext uri="{FF2B5EF4-FFF2-40B4-BE49-F238E27FC236}">
+                <a16:creationId xmlns:a16="http://schemas.microsoft.com/office/drawing/2014/main" id="{E52D4D1E-BA60-4A23-8EBC-1159C82F9571}"/>
+              </a:ext>
+            </a:extLst>
+          </p:cNvPr>
+          <p:cNvSpPr>
+            <a:spLocks noGrp="1"/>
+          </p:cNvSpPr>
+          <p:nvPr>
+            <p:ph type="title"/>
+          </p:nvPr>
+        </p:nvSpPr>
+        <p:spPr/>
+        <p:txBody>
+          <a:bodyPr/>
+          <a:lstStyle/>
+          <a:p>
+            <a:r>
+              <a:rPr lang="en-US" dirty="0"/>
+              <a:t>Fake news detection – conclusions</a:t>
+            </a:r>
+          </a:p>
+        </p:txBody>
+      </p:sp>
+      <p:sp>
+        <p:nvSpPr>
+          <p:cNvPr id="4" name="Content Placeholder 3">
+            <a:extLst>
+              <a:ext uri="{FF2B5EF4-FFF2-40B4-BE49-F238E27FC236}">
+                <a16:creationId xmlns:a16="http://schemas.microsoft.com/office/drawing/2014/main" id="{D44DCBE5-5697-D00F-625B-5B114619B2BA}"/>
+              </a:ext>
+            </a:extLst>
+          </p:cNvPr>
+          <p:cNvSpPr>
+            <a:spLocks noGrp="1"/>
+          </p:cNvSpPr>
+          <p:nvPr>
+            <p:ph idx="1"/>
+          </p:nvPr>
+        </p:nvSpPr>
+        <p:spPr>
+          <a:xfrm>
+            <a:off x="581193" y="2340864"/>
+            <a:ext cx="10039182" cy="3634486"/>
+          </a:xfrm>
+        </p:spPr>
+        <p:txBody>
+          <a:bodyPr>
+            <a:normAutofit fontScale="92500" lnSpcReduction="10000"/>
+          </a:bodyPr>
+          <a:lstStyle/>
+          <a:p>
+            <a:r>
+              <a:rPr lang="en-CA" dirty="0"/>
+              <a:t>Fake news is a cultural issue that has been worsening with increased use of social media as a primary source for new items.</a:t>
+            </a:r>
+          </a:p>
+          <a:p>
+            <a:r>
+              <a:rPr lang="en-CA" dirty="0"/>
+              <a:t>Detection of whether a news item is true news is an issue that the social media platforms have been forced to address.</a:t>
+            </a:r>
+          </a:p>
+          <a:p>
+            <a:r>
+              <a:rPr lang="en-CA" dirty="0"/>
+              <a:t>Automation of the process is key for the platform ability to deal with this issue.</a:t>
+            </a:r>
+          </a:p>
+          <a:p>
+            <a:r>
+              <a:rPr lang="en-CA" dirty="0"/>
+              <a:t>A pre-trained model from Hugging Face was accessed via Azure for assessing the test news items.</a:t>
+            </a:r>
+          </a:p>
+          <a:p>
+            <a:r>
+              <a:rPr lang="en-CA" dirty="0"/>
+              <a:t>The data WAS loaded and processed in Azure, but we could not determine how to connect the pretrained model with the dataset.  So the data was independently loaded into a python notebook while the model was accessed via Azure.</a:t>
+            </a:r>
+          </a:p>
+          <a:p>
+            <a:r>
+              <a:rPr lang="en-CA" dirty="0"/>
+              <a:t>The model worked very well to determine whether the news items were fake or not, delivering a 99.8% accuracy on the 5,000 random news items from the dataset.</a:t>
+            </a:r>
+          </a:p>
+          <a:p>
+            <a:endParaRPr lang="en-CA" dirty="0"/>
+          </a:p>
+        </p:txBody>
+      </p:sp>
+    </p:spTree>
+    <p:extLst>
+      <p:ext uri="{BB962C8B-B14F-4D97-AF65-F5344CB8AC3E}">
+        <p14:creationId xmlns:p14="http://schemas.microsoft.com/office/powerpoint/2010/main" val="1987811840"/>
+      </p:ext>
+    </p:extLst>
+  </p:cSld>
+  <p:clrMapOvr>
+    <a:masterClrMapping/>
+  </p:clrMapOvr>
+</p:sld>
+</file>
+
+<file path=ppt/slides/slide16.xml><?xml version="1.0" encoding="utf-8"?>
+<p:sld xmlns:a="http://schemas.openxmlformats.org/drawingml/2006/main" xmlns:r="http://schemas.openxmlformats.org/officeDocument/2006/relationships" xmlns:p="http://schemas.openxmlformats.org/presentationml/2006/main">
+  <p:cSld>
+    <p:spTree>
+      <p:nvGrpSpPr>
+        <p:cNvPr id="1" name=""/>
+        <p:cNvGrpSpPr/>
+        <p:nvPr/>
+      </p:nvGrpSpPr>
+      <p:grpSpPr>
+        <a:xfrm>
+          <a:off x="0" y="0"/>
+          <a:ext cx="0" cy="0"/>
+          <a:chOff x="0" y="0"/>
+          <a:chExt cx="0" cy="0"/>
+        </a:xfrm>
+      </p:grpSpPr>
+      <p:sp>
+        <p:nvSpPr>
+          <p:cNvPr id="2" name="Title 1">
+            <a:extLst>
+              <a:ext uri="{FF2B5EF4-FFF2-40B4-BE49-F238E27FC236}">
+                <a16:creationId xmlns:a16="http://schemas.microsoft.com/office/drawing/2014/main" id="{E52D4D1E-BA60-4A23-8EBC-1159C82F9571}"/>
+              </a:ext>
+            </a:extLst>
+          </p:cNvPr>
+          <p:cNvSpPr>
+            <a:spLocks noGrp="1"/>
+          </p:cNvSpPr>
+          <p:nvPr>
+            <p:ph type="title"/>
+          </p:nvPr>
+        </p:nvSpPr>
+        <p:spPr/>
+        <p:txBody>
+          <a:bodyPr/>
+          <a:lstStyle/>
+          <a:p>
+            <a:r>
+              <a:rPr lang="en-US" dirty="0"/>
+              <a:t>Fake news detection – future work</a:t>
+            </a:r>
+          </a:p>
+        </p:txBody>
+      </p:sp>
+      <p:sp>
+        <p:nvSpPr>
+          <p:cNvPr id="4" name="Content Placeholder 3">
+            <a:extLst>
+              <a:ext uri="{FF2B5EF4-FFF2-40B4-BE49-F238E27FC236}">
+                <a16:creationId xmlns:a16="http://schemas.microsoft.com/office/drawing/2014/main" id="{D44DCBE5-5697-D00F-625B-5B114619B2BA}"/>
+              </a:ext>
+            </a:extLst>
+          </p:cNvPr>
+          <p:cNvSpPr>
+            <a:spLocks noGrp="1"/>
+          </p:cNvSpPr>
+          <p:nvPr>
+            <p:ph idx="1"/>
+          </p:nvPr>
+        </p:nvSpPr>
+        <p:spPr>
+          <a:xfrm>
+            <a:off x="581193" y="2340864"/>
+            <a:ext cx="10039182" cy="3634486"/>
+          </a:xfrm>
+        </p:spPr>
+        <p:txBody>
+          <a:bodyPr>
+            <a:normAutofit/>
+          </a:bodyPr>
+          <a:lstStyle/>
+          <a:p>
+            <a:r>
+              <a:rPr lang="en-CA" dirty="0"/>
+              <a:t>A model could be built from scratch in the Azure framework.  However, training of the model would require significant time and horsepower which may have been problematic on a free Azure account.</a:t>
+            </a:r>
+          </a:p>
+          <a:p>
+            <a:r>
+              <a:rPr lang="en-CA" dirty="0"/>
+              <a:t>Other datasets should be tested against the pretrained model.  With the high accuracy, we are suspicious that the data set used for testing may have been one of the many used for training the model.</a:t>
+            </a:r>
+          </a:p>
+          <a:p>
+            <a:r>
+              <a:rPr lang="en-CA" dirty="0"/>
+              <a:t>Although the results from the model were very simple, a dashboard could be built to show the accuracy and some of the sample news items.  For this assignment, we chose to focus on the modeling and </a:t>
+            </a:r>
+            <a:r>
+              <a:rPr lang="en-CA"/>
+              <a:t>this presentation.</a:t>
+            </a:r>
+            <a:endParaRPr lang="en-CA" dirty="0"/>
+          </a:p>
+          <a:p>
+            <a:endParaRPr lang="en-CA" dirty="0"/>
+          </a:p>
+        </p:txBody>
+      </p:sp>
+    </p:spTree>
+    <p:extLst>
+      <p:ext uri="{BB962C8B-B14F-4D97-AF65-F5344CB8AC3E}">
+        <p14:creationId xmlns:p14="http://schemas.microsoft.com/office/powerpoint/2010/main" val="2913359919"/>
       </p:ext>
     </p:extLst>
   </p:cSld>
@@ -8042,6 +8961,135 @@
 </a:themeOverride>
 </file>
 
+<file path=ppt/theme/themeOverride14.xml><?xml version="1.0" encoding="utf-8"?>
+<a:themeOverride xmlns:a="http://schemas.openxmlformats.org/drawingml/2006/main">
+  <a:clrScheme name="Green">
+    <a:dk1>
+      <a:sysClr val="windowText" lastClr="000000"/>
+    </a:dk1>
+    <a:lt1>
+      <a:sysClr val="window" lastClr="FFFFFF"/>
+    </a:lt1>
+    <a:dk2>
+      <a:srgbClr val="455F51"/>
+    </a:dk2>
+    <a:lt2>
+      <a:srgbClr val="E3DED1"/>
+    </a:lt2>
+    <a:accent1>
+      <a:srgbClr val="549E39"/>
+    </a:accent1>
+    <a:accent2>
+      <a:srgbClr val="8AB833"/>
+    </a:accent2>
+    <a:accent3>
+      <a:srgbClr val="C0CF3A"/>
+    </a:accent3>
+    <a:accent4>
+      <a:srgbClr val="029676"/>
+    </a:accent4>
+    <a:accent5>
+      <a:srgbClr val="4AB5C4"/>
+    </a:accent5>
+    <a:accent6>
+      <a:srgbClr val="0989B1"/>
+    </a:accent6>
+    <a:hlink>
+      <a:srgbClr val="6B9F25"/>
+    </a:hlink>
+    <a:folHlink>
+      <a:srgbClr val="BA6906"/>
+    </a:folHlink>
+  </a:clrScheme>
+</a:themeOverride>
+</file>
+
+<file path=ppt/theme/themeOverride15.xml><?xml version="1.0" encoding="utf-8"?>
+<a:themeOverride xmlns:a="http://schemas.openxmlformats.org/drawingml/2006/main">
+  <a:clrScheme name="Green">
+    <a:dk1>
+      <a:sysClr val="windowText" lastClr="000000"/>
+    </a:dk1>
+    <a:lt1>
+      <a:sysClr val="window" lastClr="FFFFFF"/>
+    </a:lt1>
+    <a:dk2>
+      <a:srgbClr val="455F51"/>
+    </a:dk2>
+    <a:lt2>
+      <a:srgbClr val="E3DED1"/>
+    </a:lt2>
+    <a:accent1>
+      <a:srgbClr val="549E39"/>
+    </a:accent1>
+    <a:accent2>
+      <a:srgbClr val="8AB833"/>
+    </a:accent2>
+    <a:accent3>
+      <a:srgbClr val="C0CF3A"/>
+    </a:accent3>
+    <a:accent4>
+      <a:srgbClr val="029676"/>
+    </a:accent4>
+    <a:accent5>
+      <a:srgbClr val="4AB5C4"/>
+    </a:accent5>
+    <a:accent6>
+      <a:srgbClr val="0989B1"/>
+    </a:accent6>
+    <a:hlink>
+      <a:srgbClr val="6B9F25"/>
+    </a:hlink>
+    <a:folHlink>
+      <a:srgbClr val="BA6906"/>
+    </a:folHlink>
+  </a:clrScheme>
+</a:themeOverride>
+</file>
+
+<file path=ppt/theme/themeOverride16.xml><?xml version="1.0" encoding="utf-8"?>
+<a:themeOverride xmlns:a="http://schemas.openxmlformats.org/drawingml/2006/main">
+  <a:clrScheme name="Green">
+    <a:dk1>
+      <a:sysClr val="windowText" lastClr="000000"/>
+    </a:dk1>
+    <a:lt1>
+      <a:sysClr val="window" lastClr="FFFFFF"/>
+    </a:lt1>
+    <a:dk2>
+      <a:srgbClr val="455F51"/>
+    </a:dk2>
+    <a:lt2>
+      <a:srgbClr val="E3DED1"/>
+    </a:lt2>
+    <a:accent1>
+      <a:srgbClr val="549E39"/>
+    </a:accent1>
+    <a:accent2>
+      <a:srgbClr val="8AB833"/>
+    </a:accent2>
+    <a:accent3>
+      <a:srgbClr val="C0CF3A"/>
+    </a:accent3>
+    <a:accent4>
+      <a:srgbClr val="029676"/>
+    </a:accent4>
+    <a:accent5>
+      <a:srgbClr val="4AB5C4"/>
+    </a:accent5>
+    <a:accent6>
+      <a:srgbClr val="0989B1"/>
+    </a:accent6>
+    <a:hlink>
+      <a:srgbClr val="6B9F25"/>
+    </a:hlink>
+    <a:folHlink>
+      <a:srgbClr val="BA6906"/>
+    </a:folHlink>
+  </a:clrScheme>
+</a:themeOverride>
+</file>
+
 <file path=ppt/theme/themeOverride2.xml><?xml version="1.0" encoding="utf-8"?>
 <a:themeOverride xmlns:a="http://schemas.openxmlformats.org/drawingml/2006/main">
   <a:clrScheme name="Green">
@@ -8387,24 +9435,6 @@
 </file>
 
 <file path=customXml/item1.xml><?xml version="1.0" encoding="utf-8"?>
-<p:properties xmlns:p="http://schemas.microsoft.com/office/2006/metadata/properties" xmlns:xsi="http://www.w3.org/2001/XMLSchema-instance" xmlns:pc="http://schemas.microsoft.com/office/infopath/2007/PartnerControls">
-  <documentManagement>
-    <Status xmlns="71af3243-3dd4-4a8d-8c0d-dd76da1f02a5">Not started</Status>
-    <MediaServiceKeyPoints xmlns="71af3243-3dd4-4a8d-8c0d-dd76da1f02a5" xsi:nil="true"/>
-  </documentManagement>
-</p:properties>
-</file>
-
-<file path=customXml/item2.xml><?xml version="1.0" encoding="utf-8"?>
-<?mso-contentType ?>
-<FormTemplates xmlns="http://schemas.microsoft.com/sharepoint/v3/contenttype/forms">
-  <Display>DocumentLibraryForm</Display>
-  <Edit>DocumentLibraryForm</Edit>
-  <New>DocumentLibraryForm</New>
-</FormTemplates>
-</file>
-
-<file path=customXml/item3.xml><?xml version="1.0" encoding="utf-8"?>
 <ct:contentTypeSchema xmlns:ct="http://schemas.microsoft.com/office/2006/metadata/contentType" xmlns:ma="http://schemas.microsoft.com/office/2006/metadata/properties/metaAttributes" ct:_="" ma:_="" ma:contentTypeName="Document" ma:contentTypeID="0x01010079F111ED35F8CC479449609E8A0923A6" ma:contentTypeVersion="12" ma:contentTypeDescription="Create a new document." ma:contentTypeScope="" ma:versionID="a410dd7f93c95333ffa1b60ed6adedd1">
   <xsd:schema xmlns:xsd="http://www.w3.org/2001/XMLSchema" xmlns:xs="http://www.w3.org/2001/XMLSchema" xmlns:p="http://schemas.microsoft.com/office/2006/metadata/properties" xmlns:ns2="71af3243-3dd4-4a8d-8c0d-dd76da1f02a5" xmlns:ns3="16c05727-aa75-4e4a-9b5f-8a80a1165891" targetNamespace="http://schemas.microsoft.com/office/2006/metadata/properties" ma:root="true" ma:fieldsID="a936d9baba76aa3866493feff160faab" ns2:_="" ns3:_="">
     <xsd:import namespace="71af3243-3dd4-4a8d-8c0d-dd76da1f02a5"/>
@@ -8625,25 +9655,25 @@
 </ct:contentTypeSchema>
 </file>
 
-<file path=customXml/itemProps1.xml><?xml version="1.0" encoding="utf-8"?>
-<ds:datastoreItem xmlns:ds="http://schemas.openxmlformats.org/officeDocument/2006/customXml" ds:itemID="{3A6D3478-2986-4664-940C-67E0CAA21E04}">
-  <ds:schemaRefs>
-    <ds:schemaRef ds:uri="http://schemas.microsoft.com/office/2006/metadata/properties"/>
-    <ds:schemaRef ds:uri="http://schemas.microsoft.com/office/infopath/2007/PartnerControls"/>
-    <ds:schemaRef ds:uri="71af3243-3dd4-4a8d-8c0d-dd76da1f02a5"/>
-  </ds:schemaRefs>
-</ds:datastoreItem>
+<file path=customXml/item2.xml><?xml version="1.0" encoding="utf-8"?>
+<?mso-contentType ?>
+<FormTemplates xmlns="http://schemas.microsoft.com/sharepoint/v3/contenttype/forms">
+  <Display>DocumentLibraryForm</Display>
+  <Edit>DocumentLibraryForm</Edit>
+  <New>DocumentLibraryForm</New>
+</FormTemplates>
 </file>
 
-<file path=customXml/itemProps2.xml><?xml version="1.0" encoding="utf-8"?>
-<ds:datastoreItem xmlns:ds="http://schemas.openxmlformats.org/officeDocument/2006/customXml" ds:itemID="{B116C154-5A0F-4CDC-8C15-D2E21584649C}">
-  <ds:schemaRefs>
-    <ds:schemaRef ds:uri="http://schemas.microsoft.com/sharepoint/v3/contenttype/forms"/>
-  </ds:schemaRefs>
-</ds:datastoreItem>
+<file path=customXml/item3.xml><?xml version="1.0" encoding="utf-8"?>
+<p:properties xmlns:p="http://schemas.microsoft.com/office/2006/metadata/properties" xmlns:xsi="http://www.w3.org/2001/XMLSchema-instance" xmlns:pc="http://schemas.microsoft.com/office/infopath/2007/PartnerControls">
+  <documentManagement>
+    <Status xmlns="71af3243-3dd4-4a8d-8c0d-dd76da1f02a5">Not started</Status>
+    <MediaServiceKeyPoints xmlns="71af3243-3dd4-4a8d-8c0d-dd76da1f02a5" xsi:nil="true"/>
+  </documentManagement>
+</p:properties>
 </file>
 
-<file path=customXml/itemProps3.xml><?xml version="1.0" encoding="utf-8"?>
+<file path=customXml/itemProps1.xml><?xml version="1.0" encoding="utf-8"?>
 <ds:datastoreItem xmlns:ds="http://schemas.openxmlformats.org/officeDocument/2006/customXml" ds:itemID="{956C3F92-CC28-42D8-BF09-077075551065}">
   <ds:schemaRefs>
     <ds:schemaRef ds:uri="http://schemas.microsoft.com/office/2006/metadata/contentType"/>
@@ -8660,4 +9690,22 @@
     <ds:schemaRef ds:uri="http://schemas.microsoft.com/internal/obd"/>
   </ds:schemaRefs>
 </ds:datastoreItem>
+</file>
+
+<file path=customXml/itemProps2.xml><?xml version="1.0" encoding="utf-8"?>
+<ds:datastoreItem xmlns:ds="http://schemas.openxmlformats.org/officeDocument/2006/customXml" ds:itemID="{B116C154-5A0F-4CDC-8C15-D2E21584649C}">
+  <ds:schemaRefs>
+    <ds:schemaRef ds:uri="http://schemas.microsoft.com/sharepoint/v3/contenttype/forms"/>
+  </ds:schemaRefs>
+</ds:datastoreItem>
+</file>
+
+<file path=customXml/itemProps3.xml><?xml version="1.0" encoding="utf-8"?>
+<ds:datastoreItem xmlns:ds="http://schemas.openxmlformats.org/officeDocument/2006/customXml" ds:itemID="{3A6D3478-2986-4664-940C-67E0CAA21E04}">
+  <ds:schemaRefs>
+    <ds:schemaRef ds:uri="http://schemas.microsoft.com/office/2006/metadata/properties"/>
+    <ds:schemaRef ds:uri="http://schemas.microsoft.com/office/infopath/2007/PartnerControls"/>
+    <ds:schemaRef ds:uri="71af3243-3dd4-4a8d-8c0d-dd76da1f02a5"/>
+  </ds:schemaRefs>
+</ds:datastoreItem>
 </file>